--- a/_LECTIONS/10/10_Multithreading.pptx
+++ b/_LECTIONS/10/10_Multithreading.pptx
@@ -25,6 +25,8 @@
     <p:sldId id="276" r:id="rId19"/>
     <p:sldId id="272" r:id="rId20"/>
     <p:sldId id="271" r:id="rId21"/>
+    <p:sldId id="277" r:id="rId22"/>
+    <p:sldId id="278" r:id="rId23"/>
   </p:sldIdLst>
   <p:sldSz cx="12192000" cy="6858000"/>
   <p:notesSz cx="6858000" cy="9144000"/>
@@ -123,6 +125,11 @@
       </a:defRPr>
     </a:lvl9pPr>
   </p:defaultTextStyle>
+  <p:extLst>
+    <p:ext uri="{EFAFB233-063F-42B5-8137-9DF3F51BA10A}">
+      <p15:sldGuideLst xmlns:p15="http://schemas.microsoft.com/office/powerpoint/2012/main"/>
+    </p:ext>
+  </p:extLst>
 </p:presentation>
 </file>
 
@@ -848,7 +855,7 @@
           <a:p>
             <a:fld id="{6DD69414-DD68-4482-A112-8ECDD24CDFD5}" type="datetimeFigureOut">
               <a:rPr lang="ru-RU" smtClean="0"/>
-              <a:t>31.05.2020</a:t>
+              <a:t>04.06.2020</a:t>
             </a:fld>
             <a:endParaRPr lang="ru-RU"/>
           </a:p>
@@ -1099,7 +1106,7 @@
           <a:p>
             <a:fld id="{6DD69414-DD68-4482-A112-8ECDD24CDFD5}" type="datetimeFigureOut">
               <a:rPr lang="ru-RU" smtClean="0"/>
-              <a:t>31.05.2020</a:t>
+              <a:t>04.06.2020</a:t>
             </a:fld>
             <a:endParaRPr lang="ru-RU"/>
           </a:p>
@@ -1413,7 +1420,7 @@
           <a:p>
             <a:fld id="{6DD69414-DD68-4482-A112-8ECDD24CDFD5}" type="datetimeFigureOut">
               <a:rPr lang="ru-RU" smtClean="0"/>
-              <a:t>31.05.2020</a:t>
+              <a:t>04.06.2020</a:t>
             </a:fld>
             <a:endParaRPr lang="ru-RU"/>
           </a:p>
@@ -1754,7 +1761,7 @@
           <a:p>
             <a:fld id="{6DD69414-DD68-4482-A112-8ECDD24CDFD5}" type="datetimeFigureOut">
               <a:rPr lang="ru-RU" smtClean="0"/>
-              <a:t>31.05.2020</a:t>
+              <a:t>04.06.2020</a:t>
             </a:fld>
             <a:endParaRPr lang="ru-RU"/>
           </a:p>
@@ -2068,7 +2075,7 @@
           <a:p>
             <a:fld id="{6DD69414-DD68-4482-A112-8ECDD24CDFD5}" type="datetimeFigureOut">
               <a:rPr lang="ru-RU" smtClean="0"/>
-              <a:t>31.05.2020</a:t>
+              <a:t>04.06.2020</a:t>
             </a:fld>
             <a:endParaRPr lang="ru-RU"/>
           </a:p>
@@ -2461,7 +2468,7 @@
           <a:p>
             <a:fld id="{6DD69414-DD68-4482-A112-8ECDD24CDFD5}" type="datetimeFigureOut">
               <a:rPr lang="ru-RU" smtClean="0"/>
-              <a:t>31.05.2020</a:t>
+              <a:t>04.06.2020</a:t>
             </a:fld>
             <a:endParaRPr lang="ru-RU"/>
           </a:p>
@@ -2631,7 +2638,7 @@
           <a:p>
             <a:fld id="{6DD69414-DD68-4482-A112-8ECDD24CDFD5}" type="datetimeFigureOut">
               <a:rPr lang="ru-RU" smtClean="0"/>
-              <a:t>31.05.2020</a:t>
+              <a:t>04.06.2020</a:t>
             </a:fld>
             <a:endParaRPr lang="ru-RU"/>
           </a:p>
@@ -2811,7 +2818,7 @@
           <a:p>
             <a:fld id="{6DD69414-DD68-4482-A112-8ECDD24CDFD5}" type="datetimeFigureOut">
               <a:rPr lang="ru-RU" smtClean="0"/>
-              <a:t>31.05.2020</a:t>
+              <a:t>04.06.2020</a:t>
             </a:fld>
             <a:endParaRPr lang="ru-RU"/>
           </a:p>
@@ -2987,7 +2994,7 @@
           <a:p>
             <a:fld id="{6DD69414-DD68-4482-A112-8ECDD24CDFD5}" type="datetimeFigureOut">
               <a:rPr lang="ru-RU" smtClean="0"/>
-              <a:t>31.05.2020</a:t>
+              <a:t>04.06.2020</a:t>
             </a:fld>
             <a:endParaRPr lang="ru-RU"/>
           </a:p>
@@ -3234,7 +3241,7 @@
           <a:p>
             <a:fld id="{6DD69414-DD68-4482-A112-8ECDD24CDFD5}" type="datetimeFigureOut">
               <a:rPr lang="ru-RU" smtClean="0"/>
-              <a:t>31.05.2020</a:t>
+              <a:t>04.06.2020</a:t>
             </a:fld>
             <a:endParaRPr lang="ru-RU"/>
           </a:p>
@@ -3466,7 +3473,7 @@
           <a:p>
             <a:fld id="{6DD69414-DD68-4482-A112-8ECDD24CDFD5}" type="datetimeFigureOut">
               <a:rPr lang="ru-RU" smtClean="0"/>
-              <a:t>31.05.2020</a:t>
+              <a:t>04.06.2020</a:t>
             </a:fld>
             <a:endParaRPr lang="ru-RU"/>
           </a:p>
@@ -3840,7 +3847,7 @@
           <a:p>
             <a:fld id="{6DD69414-DD68-4482-A112-8ECDD24CDFD5}" type="datetimeFigureOut">
               <a:rPr lang="ru-RU" smtClean="0"/>
-              <a:t>31.05.2020</a:t>
+              <a:t>04.06.2020</a:t>
             </a:fld>
             <a:endParaRPr lang="ru-RU"/>
           </a:p>
@@ -3963,7 +3970,7 @@
           <a:p>
             <a:fld id="{6DD69414-DD68-4482-A112-8ECDD24CDFD5}" type="datetimeFigureOut">
               <a:rPr lang="ru-RU" smtClean="0"/>
-              <a:t>31.05.2020</a:t>
+              <a:t>04.06.2020</a:t>
             </a:fld>
             <a:endParaRPr lang="ru-RU"/>
           </a:p>
@@ -4058,7 +4065,7 @@
           <a:p>
             <a:fld id="{6DD69414-DD68-4482-A112-8ECDD24CDFD5}" type="datetimeFigureOut">
               <a:rPr lang="ru-RU" smtClean="0"/>
-              <a:t>31.05.2020</a:t>
+              <a:t>04.06.2020</a:t>
             </a:fld>
             <a:endParaRPr lang="ru-RU"/>
           </a:p>
@@ -4313,7 +4320,7 @@
           <a:p>
             <a:fld id="{6DD69414-DD68-4482-A112-8ECDD24CDFD5}" type="datetimeFigureOut">
               <a:rPr lang="ru-RU" smtClean="0"/>
-              <a:t>31.05.2020</a:t>
+              <a:t>04.06.2020</a:t>
             </a:fld>
             <a:endParaRPr lang="ru-RU"/>
           </a:p>
@@ -4576,7 +4583,7 @@
           <a:p>
             <a:fld id="{6DD69414-DD68-4482-A112-8ECDD24CDFD5}" type="datetimeFigureOut">
               <a:rPr lang="ru-RU" smtClean="0"/>
-              <a:t>31.05.2020</a:t>
+              <a:t>04.06.2020</a:t>
             </a:fld>
             <a:endParaRPr lang="ru-RU"/>
           </a:p>
@@ -5319,7 +5326,7 @@
           <a:p>
             <a:fld id="{6DD69414-DD68-4482-A112-8ECDD24CDFD5}" type="datetimeFigureOut">
               <a:rPr lang="ru-RU" smtClean="0"/>
-              <a:t>31.05.2020</a:t>
+              <a:t>04.06.2020</a:t>
             </a:fld>
             <a:endParaRPr lang="ru-RU"/>
           </a:p>
@@ -5895,6 +5902,13 @@
   <p:clrMapOvr>
     <a:masterClrMapping/>
   </p:clrMapOvr>
+  <p:timing>
+    <p:tnLst>
+      <p:par>
+        <p:cTn id="1" dur="indefinite" restart="never" nodeType="tmRoot"/>
+      </p:par>
+    </p:tnLst>
+  </p:timing>
 </p:sld>
 </file>
 
@@ -6020,6 +6034,13 @@
   <p:clrMapOvr>
     <a:masterClrMapping/>
   </p:clrMapOvr>
+  <p:timing>
+    <p:tnLst>
+      <p:par>
+        <p:cTn id="1" dur="indefinite" restart="never" nodeType="tmRoot"/>
+      </p:par>
+    </p:tnLst>
+  </p:timing>
 </p:sld>
 </file>
 
@@ -6127,6 +6148,13 @@
   <p:clrMapOvr>
     <a:masterClrMapping/>
   </p:clrMapOvr>
+  <p:timing>
+    <p:tnLst>
+      <p:par>
+        <p:cTn id="1" dur="indefinite" restart="never" nodeType="tmRoot"/>
+      </p:par>
+    </p:tnLst>
+  </p:timing>
 </p:sld>
 </file>
 
@@ -6314,6 +6342,13 @@
   <p:clrMapOvr>
     <a:masterClrMapping/>
   </p:clrMapOvr>
+  <p:timing>
+    <p:tnLst>
+      <p:par>
+        <p:cTn id="1" dur="indefinite" restart="never" nodeType="tmRoot"/>
+      </p:par>
+    </p:tnLst>
+  </p:timing>
 </p:sld>
 </file>
 
@@ -6541,6 +6576,13 @@
   <p:clrMapOvr>
     <a:masterClrMapping/>
   </p:clrMapOvr>
+  <p:timing>
+    <p:tnLst>
+      <p:par>
+        <p:cTn id="1" dur="indefinite" restart="never" nodeType="tmRoot"/>
+      </p:par>
+    </p:tnLst>
+  </p:timing>
 </p:sld>
 </file>
 
@@ -6650,6 +6692,13 @@
   <p:clrMapOvr>
     <a:masterClrMapping/>
   </p:clrMapOvr>
+  <p:timing>
+    <p:tnLst>
+      <p:par>
+        <p:cTn id="1" dur="indefinite" restart="never" nodeType="tmRoot"/>
+      </p:par>
+    </p:tnLst>
+  </p:timing>
 </p:sld>
 </file>
 
@@ -6809,6 +6858,13 @@
   <p:clrMapOvr>
     <a:masterClrMapping/>
   </p:clrMapOvr>
+  <p:timing>
+    <p:tnLst>
+      <p:par>
+        <p:cTn id="1" dur="indefinite" restart="never" nodeType="tmRoot"/>
+      </p:par>
+    </p:tnLst>
+  </p:timing>
 </p:sld>
 </file>
 
@@ -6940,6 +6996,13 @@
   <p:clrMapOvr>
     <a:masterClrMapping/>
   </p:clrMapOvr>
+  <p:timing>
+    <p:tnLst>
+      <p:par>
+        <p:cTn id="1" dur="indefinite" restart="never" nodeType="tmRoot"/>
+      </p:par>
+    </p:tnLst>
+  </p:timing>
 </p:sld>
 </file>
 
@@ -7089,6 +7152,13 @@
   <p:clrMapOvr>
     <a:masterClrMapping/>
   </p:clrMapOvr>
+  <p:timing>
+    <p:tnLst>
+      <p:par>
+        <p:cTn id="1" dur="indefinite" restart="never" nodeType="tmRoot"/>
+      </p:par>
+    </p:tnLst>
+  </p:timing>
 </p:sld>
 </file>
 
@@ -7300,6 +7370,13 @@
   <p:clrMapOvr>
     <a:masterClrMapping/>
   </p:clrMapOvr>
+  <p:timing>
+    <p:tnLst>
+      <p:par>
+        <p:cTn id="1" dur="indefinite" restart="never" nodeType="tmRoot"/>
+      </p:par>
+    </p:tnLst>
+  </p:timing>
 </p:sld>
 </file>
 
@@ -7435,7 +7512,7 @@
           </a:p>
           <a:p>
             <a:r>
-              <a:rPr lang="en-US" smtClean="0"/>
+              <a:rPr lang="en-US" dirty="0" smtClean="0"/>
               <a:t>Demo</a:t>
             </a:r>
             <a:endParaRPr lang="ru-RU" dirty="0"/>
@@ -7452,6 +7529,13 @@
   <p:clrMapOvr>
     <a:masterClrMapping/>
   </p:clrMapOvr>
+  <p:timing>
+    <p:tnLst>
+      <p:par>
+        <p:cTn id="1" dur="indefinite" restart="never" nodeType="tmRoot"/>
+      </p:par>
+    </p:tnLst>
+  </p:timing>
 </p:sld>
 </file>
 
@@ -7588,6 +7672,13 @@
   <p:clrMapOvr>
     <a:masterClrMapping/>
   </p:clrMapOvr>
+  <p:timing>
+    <p:tnLst>
+      <p:par>
+        <p:cTn id="1" dur="indefinite" restart="never" nodeType="tmRoot"/>
+      </p:par>
+    </p:tnLst>
+  </p:timing>
 </p:sld>
 </file>
 
@@ -7678,6 +7769,53 @@
               <a:rPr lang="ru-RU" dirty="0" smtClean="0"/>
               <a:t>позволяет асинхронно выполнять задачи и получать их результат. </a:t>
             </a:r>
+            <a:endParaRPr lang="en-US" dirty="0" smtClean="0"/>
+          </a:p>
+          <a:p>
+            <a:endParaRPr lang="en-US" dirty="0" smtClean="0"/>
+          </a:p>
+          <a:p>
+            <a:pPr marL="0" indent="0">
+              <a:buNone/>
+            </a:pPr>
+            <a:r>
+              <a:rPr lang="en-US" dirty="0" smtClean="0"/>
+              <a:t>Demo:</a:t>
+            </a:r>
+          </a:p>
+          <a:p>
+            <a:r>
+              <a:rPr lang="ru-RU" dirty="0" smtClean="0"/>
+              <a:t>Вспомогательный класс </a:t>
+            </a:r>
+            <a:r>
+              <a:rPr lang="en-US" dirty="0" smtClean="0"/>
+              <a:t>Executors</a:t>
+            </a:r>
+          </a:p>
+          <a:p>
+            <a:r>
+              <a:rPr lang="en-US" dirty="0" err="1" smtClean="0"/>
+              <a:t>ThreadPoolExecutor</a:t>
+            </a:r>
+            <a:r>
+              <a:rPr lang="en-US" dirty="0" smtClean="0"/>
+              <a:t> </a:t>
+            </a:r>
+            <a:r>
+              <a:rPr lang="ru-RU" dirty="0" smtClean="0"/>
+              <a:t>и </a:t>
+            </a:r>
+            <a:r>
+              <a:rPr lang="en-US" dirty="0" smtClean="0"/>
+              <a:t>Future</a:t>
+            </a:r>
+          </a:p>
+          <a:p>
+            <a:r>
+              <a:rPr lang="en-US" dirty="0" err="1" smtClean="0"/>
+              <a:t>SchedulledExecutorService</a:t>
+            </a:r>
             <a:endParaRPr lang="ru-RU" dirty="0"/>
           </a:p>
         </p:txBody>
@@ -7686,6 +7824,343 @@
     <p:extLst>
       <p:ext uri="{BB962C8B-B14F-4D97-AF65-F5344CB8AC3E}">
         <p14:creationId xmlns:p14="http://schemas.microsoft.com/office/powerpoint/2010/main" val="444224899"/>
+      </p:ext>
+    </p:extLst>
+  </p:cSld>
+  <p:clrMapOvr>
+    <a:masterClrMapping/>
+  </p:clrMapOvr>
+  <p:timing>
+    <p:tnLst>
+      <p:par>
+        <p:cTn id="1" dur="indefinite" restart="never" nodeType="tmRoot"/>
+      </p:par>
+    </p:tnLst>
+  </p:timing>
+</p:sld>
+</file>
+
+<file path=ppt/slides/slide21.xml><?xml version="1.0" encoding="utf-8"?>
+<p:sld xmlns:a="http://schemas.openxmlformats.org/drawingml/2006/main" xmlns:r="http://schemas.openxmlformats.org/officeDocument/2006/relationships" xmlns:p="http://schemas.openxmlformats.org/presentationml/2006/main">
+  <p:cSld>
+    <p:spTree>
+      <p:nvGrpSpPr>
+        <p:cNvPr id="1" name=""/>
+        <p:cNvGrpSpPr/>
+        <p:nvPr/>
+      </p:nvGrpSpPr>
+      <p:grpSpPr>
+        <a:xfrm>
+          <a:off x="0" y="0"/>
+          <a:ext cx="0" cy="0"/>
+          <a:chOff x="0" y="0"/>
+          <a:chExt cx="0" cy="0"/>
+        </a:xfrm>
+      </p:grpSpPr>
+      <p:sp>
+        <p:nvSpPr>
+          <p:cNvPr id="2" name="Title 1"/>
+          <p:cNvSpPr>
+            <a:spLocks noGrp="1"/>
+          </p:cNvSpPr>
+          <p:nvPr>
+            <p:ph type="title"/>
+          </p:nvPr>
+        </p:nvSpPr>
+        <p:spPr/>
+        <p:txBody>
+          <a:bodyPr/>
+          <a:lstStyle/>
+          <a:p>
+            <a:r>
+              <a:rPr lang="ru-RU" dirty="0" err="1" smtClean="0"/>
+              <a:t>Потокобезопасные</a:t>
+            </a:r>
+            <a:r>
+              <a:rPr lang="ru-RU" dirty="0" smtClean="0"/>
+              <a:t> коллекции</a:t>
+            </a:r>
+            <a:endParaRPr lang="ru-RU" dirty="0"/>
+          </a:p>
+        </p:txBody>
+      </p:sp>
+      <p:sp>
+        <p:nvSpPr>
+          <p:cNvPr id="3" name="Content Placeholder 2"/>
+          <p:cNvSpPr>
+            <a:spLocks noGrp="1"/>
+          </p:cNvSpPr>
+          <p:nvPr>
+            <p:ph idx="1"/>
+          </p:nvPr>
+        </p:nvSpPr>
+        <p:spPr/>
+        <p:txBody>
+          <a:bodyPr>
+            <a:normAutofit fontScale="92500" lnSpcReduction="20000"/>
+          </a:bodyPr>
+          <a:lstStyle/>
+          <a:p>
+            <a:r>
+              <a:rPr lang="ru-RU" dirty="0" smtClean="0"/>
+              <a:t>Для безопасной работы в многопоточной среде коллекции должно быть реализованы особым образом</a:t>
+            </a:r>
+          </a:p>
+          <a:p>
+            <a:r>
+              <a:rPr lang="ru-RU" dirty="0" smtClean="0"/>
+              <a:t>Если в описании библиотеки </a:t>
+            </a:r>
+            <a:r>
+              <a:rPr lang="ru-RU" b="1" dirty="0" smtClean="0"/>
+              <a:t>явно</a:t>
+            </a:r>
+            <a:r>
+              <a:rPr lang="ru-RU" dirty="0" smtClean="0"/>
+              <a:t> не указано про </a:t>
+            </a:r>
+            <a:r>
+              <a:rPr lang="ru-RU" dirty="0" err="1" smtClean="0"/>
+              <a:t>потокобезопасность</a:t>
+            </a:r>
+            <a:r>
+              <a:rPr lang="ru-RU" dirty="0" smtClean="0"/>
+              <a:t>, то</a:t>
+            </a:r>
+            <a:r>
+              <a:rPr lang="en-US" dirty="0" smtClean="0"/>
+              <a:t> </a:t>
+            </a:r>
+            <a:r>
+              <a:rPr lang="ru-RU" dirty="0" smtClean="0"/>
+              <a:t>обычно она </a:t>
+            </a:r>
+            <a:r>
+              <a:rPr lang="ru-RU" dirty="0" err="1" smtClean="0"/>
+              <a:t>потоко</a:t>
+            </a:r>
+            <a:r>
+              <a:rPr lang="ru-RU" b="1" dirty="0" err="1" smtClean="0"/>
+              <a:t>небозопасная</a:t>
+            </a:r>
+            <a:r>
+              <a:rPr lang="ru-RU" dirty="0" smtClean="0"/>
+              <a:t> </a:t>
+            </a:r>
+          </a:p>
+          <a:p>
+            <a:r>
+              <a:rPr lang="en-US" b="1" dirty="0" smtClean="0"/>
+              <a:t>List</a:t>
+            </a:r>
+          </a:p>
+          <a:p>
+            <a:pPr lvl="1"/>
+            <a:r>
+              <a:rPr lang="en-US" dirty="0" err="1" smtClean="0"/>
+              <a:t>CopyOnWriteArrayList</a:t>
+            </a:r>
+            <a:endParaRPr lang="en-US" dirty="0" smtClean="0"/>
+          </a:p>
+          <a:p>
+            <a:r>
+              <a:rPr lang="en-US" b="1" dirty="0" smtClean="0"/>
+              <a:t>Set</a:t>
+            </a:r>
+          </a:p>
+          <a:p>
+            <a:pPr lvl="1"/>
+            <a:r>
+              <a:rPr lang="en-US" dirty="0" err="1" smtClean="0"/>
+              <a:t>ConcurrentHashSet</a:t>
+            </a:r>
+            <a:endParaRPr lang="en-US" dirty="0" smtClean="0"/>
+          </a:p>
+          <a:p>
+            <a:pPr lvl="1"/>
+            <a:r>
+              <a:rPr lang="en-US" dirty="0" err="1" smtClean="0"/>
+              <a:t>SkipListSet</a:t>
+            </a:r>
+            <a:r>
+              <a:rPr lang="en-US" dirty="0" smtClean="0"/>
+              <a:t> (</a:t>
+            </a:r>
+            <a:r>
+              <a:rPr lang="ru-RU" dirty="0" smtClean="0"/>
+              <a:t>сортированный)</a:t>
+            </a:r>
+          </a:p>
+          <a:p>
+            <a:r>
+              <a:rPr lang="en-US" b="1" dirty="0" smtClean="0"/>
+              <a:t>Map</a:t>
+            </a:r>
+          </a:p>
+          <a:p>
+            <a:pPr lvl="1"/>
+            <a:r>
+              <a:rPr lang="en-US" dirty="0" err="1" smtClean="0"/>
+              <a:t>ConcurrentHashMap</a:t>
+            </a:r>
+            <a:endParaRPr lang="en-US" dirty="0" smtClean="0"/>
+          </a:p>
+          <a:p>
+            <a:pPr lvl="1"/>
+            <a:r>
+              <a:rPr lang="en-US" dirty="0" err="1" smtClean="0"/>
+              <a:t>SkipListMap</a:t>
+            </a:r>
+            <a:endParaRPr lang="ru-RU" dirty="0"/>
+          </a:p>
+        </p:txBody>
+      </p:sp>
+    </p:spTree>
+    <p:extLst>
+      <p:ext uri="{BB962C8B-B14F-4D97-AF65-F5344CB8AC3E}">
+        <p14:creationId xmlns:p14="http://schemas.microsoft.com/office/powerpoint/2010/main" val="519330497"/>
+      </p:ext>
+    </p:extLst>
+  </p:cSld>
+  <p:clrMapOvr>
+    <a:masterClrMapping/>
+  </p:clrMapOvr>
+</p:sld>
+</file>
+
+<file path=ppt/slides/slide22.xml><?xml version="1.0" encoding="utf-8"?>
+<p:sld xmlns:a="http://schemas.openxmlformats.org/drawingml/2006/main" xmlns:r="http://schemas.openxmlformats.org/officeDocument/2006/relationships" xmlns:p="http://schemas.openxmlformats.org/presentationml/2006/main">
+  <p:cSld>
+    <p:spTree>
+      <p:nvGrpSpPr>
+        <p:cNvPr id="1" name=""/>
+        <p:cNvGrpSpPr/>
+        <p:nvPr/>
+      </p:nvGrpSpPr>
+      <p:grpSpPr>
+        <a:xfrm>
+          <a:off x="0" y="0"/>
+          <a:ext cx="0" cy="0"/>
+          <a:chOff x="0" y="0"/>
+          <a:chExt cx="0" cy="0"/>
+        </a:xfrm>
+      </p:grpSpPr>
+      <p:sp>
+        <p:nvSpPr>
+          <p:cNvPr id="2" name="Title 1"/>
+          <p:cNvSpPr>
+            <a:spLocks noGrp="1"/>
+          </p:cNvSpPr>
+          <p:nvPr>
+            <p:ph type="title"/>
+          </p:nvPr>
+        </p:nvSpPr>
+        <p:spPr/>
+        <p:txBody>
+          <a:bodyPr/>
+          <a:lstStyle/>
+          <a:p>
+            <a:r>
+              <a:rPr lang="en-US" dirty="0" err="1" smtClean="0"/>
+              <a:t>java.util.concurrent</a:t>
+            </a:r>
+            <a:endParaRPr lang="ru-RU" dirty="0"/>
+          </a:p>
+        </p:txBody>
+      </p:sp>
+      <p:sp>
+        <p:nvSpPr>
+          <p:cNvPr id="3" name="Content Placeholder 2"/>
+          <p:cNvSpPr>
+            <a:spLocks noGrp="1"/>
+          </p:cNvSpPr>
+          <p:nvPr>
+            <p:ph idx="1"/>
+          </p:nvPr>
+        </p:nvSpPr>
+        <p:spPr/>
+        <p:txBody>
+          <a:bodyPr>
+            <a:normAutofit fontScale="92500" lnSpcReduction="20000"/>
+          </a:bodyPr>
+          <a:lstStyle/>
+          <a:p>
+            <a:r>
+              <a:rPr lang="en-US" dirty="0" smtClean="0"/>
+              <a:t>Atomic</a:t>
+            </a:r>
+            <a:br>
+              <a:rPr lang="en-US" dirty="0" smtClean="0"/>
+            </a:br>
+            <a:r>
+              <a:rPr lang="en-US" dirty="0" smtClean="0"/>
+              <a:t>Demo</a:t>
+            </a:r>
+          </a:p>
+          <a:p>
+            <a:r>
+              <a:rPr lang="en-US" b="1" dirty="0" err="1"/>
+              <a:t>ReentrantLock</a:t>
+            </a:r>
+            <a:r>
+              <a:rPr lang="en-US" b="1" dirty="0"/>
+              <a:t> </a:t>
+            </a:r>
+            <a:endParaRPr lang="en-US" dirty="0" smtClean="0"/>
+          </a:p>
+          <a:p>
+            <a:endParaRPr lang="en-US" dirty="0"/>
+          </a:p>
+          <a:p>
+            <a:endParaRPr lang="en-US" dirty="0" smtClean="0"/>
+          </a:p>
+          <a:p>
+            <a:endParaRPr lang="en-US" dirty="0"/>
+          </a:p>
+          <a:p>
+            <a:endParaRPr lang="en-US" dirty="0" smtClean="0"/>
+          </a:p>
+          <a:p>
+            <a:endParaRPr lang="en-US" dirty="0"/>
+          </a:p>
+          <a:p>
+            <a:endParaRPr lang="en-US" dirty="0" smtClean="0"/>
+          </a:p>
+          <a:p>
+            <a:endParaRPr lang="en-US" dirty="0"/>
+          </a:p>
+          <a:p>
+            <a:r>
+              <a:rPr lang="en-US" dirty="0">
+                <a:hlinkClick r:id="rId2"/>
+              </a:rPr>
+              <a:t>https://habr.com/ru/post/213319/</a:t>
+            </a:r>
+            <a:endParaRPr lang="en-US" dirty="0" smtClean="0">
+              <a:hlinkClick r:id="rId3"/>
+            </a:endParaRPr>
+          </a:p>
+          <a:p>
+            <a:r>
+              <a:rPr lang="en-US" dirty="0" smtClean="0">
+                <a:hlinkClick r:id="rId3"/>
+              </a:rPr>
+              <a:t>https</a:t>
+            </a:r>
+            <a:r>
+              <a:rPr lang="en-US" dirty="0">
+                <a:hlinkClick r:id="rId3"/>
+              </a:rPr>
+              <a:t>://habr.com/ru/company/luxoft/blog/157273/</a:t>
+            </a:r>
+            <a:endParaRPr lang="ru-RU" dirty="0"/>
+          </a:p>
+        </p:txBody>
+      </p:sp>
+    </p:spTree>
+    <p:extLst>
+      <p:ext uri="{BB962C8B-B14F-4D97-AF65-F5344CB8AC3E}">
+        <p14:creationId xmlns:p14="http://schemas.microsoft.com/office/powerpoint/2010/main" val="2743068339"/>
       </p:ext>
     </p:extLst>
   </p:cSld>
@@ -8316,6 +8791,13 @@
   <p:clrMapOvr>
     <a:masterClrMapping/>
   </p:clrMapOvr>
+  <p:timing>
+    <p:tnLst>
+      <p:par>
+        <p:cTn id="1" dur="indefinite" restart="never" nodeType="tmRoot"/>
+      </p:par>
+    </p:tnLst>
+  </p:timing>
 </p:sld>
 </file>
 
@@ -8468,6 +8950,13 @@
   <p:clrMapOvr>
     <a:masterClrMapping/>
   </p:clrMapOvr>
+  <p:timing>
+    <p:tnLst>
+      <p:par>
+        <p:cTn id="1" dur="indefinite" restart="never" nodeType="tmRoot"/>
+      </p:par>
+    </p:tnLst>
+  </p:timing>
 </p:sld>
 </file>
 
@@ -9553,6 +10042,13 @@
   <p:clrMapOvr>
     <a:masterClrMapping/>
   </p:clrMapOvr>
+  <p:timing>
+    <p:tnLst>
+      <p:par>
+        <p:cTn id="1" dur="indefinite" restart="never" nodeType="tmRoot"/>
+      </p:par>
+    </p:tnLst>
+  </p:timing>
 </p:sld>
 </file>
 
@@ -9730,6 +10226,13 @@
   <p:clrMapOvr>
     <a:masterClrMapping/>
   </p:clrMapOvr>
+  <p:timing>
+    <p:tnLst>
+      <p:par>
+        <p:cTn id="1" dur="indefinite" restart="never" nodeType="tmRoot"/>
+      </p:par>
+    </p:tnLst>
+  </p:timing>
 </p:sld>
 </file>
 
@@ -9834,6 +10337,13 @@
   <p:clrMapOvr>
     <a:masterClrMapping/>
   </p:clrMapOvr>
+  <p:timing>
+    <p:tnLst>
+      <p:par>
+        <p:cTn id="1" dur="indefinite" restart="never" nodeType="tmRoot"/>
+      </p:par>
+    </p:tnLst>
+  </p:timing>
 </p:sld>
 </file>
 
@@ -9972,6 +10482,13 @@
   <p:clrMapOvr>
     <a:masterClrMapping/>
   </p:clrMapOvr>
+  <p:timing>
+    <p:tnLst>
+      <p:par>
+        <p:cTn id="1" dur="indefinite" restart="never" nodeType="tmRoot"/>
+      </p:par>
+    </p:tnLst>
+  </p:timing>
 </p:sld>
 </file>
 
@@ -10246,6 +10763,13 @@
   <p:clrMapOvr>
     <a:masterClrMapping/>
   </p:clrMapOvr>
+  <p:timing>
+    <p:tnLst>
+      <p:par>
+        <p:cTn id="1" dur="indefinite" restart="never" nodeType="tmRoot"/>
+      </p:par>
+    </p:tnLst>
+  </p:timing>
 </p:sld>
 </file>
 
